--- a/js/images/Distributome_JS_Navigator_Design.pptx
+++ b/js/images/Distributome_JS_Navigator_Design.pptx
@@ -289,7 +289,7 @@
             <a:fld id="{1D8BD707-D9CF-40AE-B4C6-C98DA3205C09}" type="datetimeFigureOut">
               <a:rPr lang="en-US" smtClean="0"/>
               <a:pPr/>
-              <a:t>8/12/2011</a:t>
+              <a:t>8/14/2011</a:t>
             </a:fld>
             <a:endParaRPr lang="en-US"/>
           </a:p>
@@ -456,7 +456,7 @@
             <a:fld id="{1D8BD707-D9CF-40AE-B4C6-C98DA3205C09}" type="datetimeFigureOut">
               <a:rPr lang="en-US" smtClean="0"/>
               <a:pPr/>
-              <a:t>8/12/2011</a:t>
+              <a:t>8/14/2011</a:t>
             </a:fld>
             <a:endParaRPr lang="en-US"/>
           </a:p>
@@ -633,7 +633,7 @@
             <a:fld id="{1D8BD707-D9CF-40AE-B4C6-C98DA3205C09}" type="datetimeFigureOut">
               <a:rPr lang="en-US" smtClean="0"/>
               <a:pPr/>
-              <a:t>8/12/2011</a:t>
+              <a:t>8/14/2011</a:t>
             </a:fld>
             <a:endParaRPr lang="en-US"/>
           </a:p>
@@ -800,7 +800,7 @@
             <a:fld id="{1D8BD707-D9CF-40AE-B4C6-C98DA3205C09}" type="datetimeFigureOut">
               <a:rPr lang="en-US" smtClean="0"/>
               <a:pPr/>
-              <a:t>8/12/2011</a:t>
+              <a:t>8/14/2011</a:t>
             </a:fld>
             <a:endParaRPr lang="en-US"/>
           </a:p>
@@ -1043,7 +1043,7 @@
             <a:fld id="{1D8BD707-D9CF-40AE-B4C6-C98DA3205C09}" type="datetimeFigureOut">
               <a:rPr lang="en-US" smtClean="0"/>
               <a:pPr/>
-              <a:t>8/12/2011</a:t>
+              <a:t>8/14/2011</a:t>
             </a:fld>
             <a:endParaRPr lang="en-US"/>
           </a:p>
@@ -1328,7 +1328,7 @@
             <a:fld id="{1D8BD707-D9CF-40AE-B4C6-C98DA3205C09}" type="datetimeFigureOut">
               <a:rPr lang="en-US" smtClean="0"/>
               <a:pPr/>
-              <a:t>8/12/2011</a:t>
+              <a:t>8/14/2011</a:t>
             </a:fld>
             <a:endParaRPr lang="en-US"/>
           </a:p>
@@ -1747,7 +1747,7 @@
             <a:fld id="{1D8BD707-D9CF-40AE-B4C6-C98DA3205C09}" type="datetimeFigureOut">
               <a:rPr lang="en-US" smtClean="0"/>
               <a:pPr/>
-              <a:t>8/12/2011</a:t>
+              <a:t>8/14/2011</a:t>
             </a:fld>
             <a:endParaRPr lang="en-US"/>
           </a:p>
@@ -1862,7 +1862,7 @@
             <a:fld id="{1D8BD707-D9CF-40AE-B4C6-C98DA3205C09}" type="datetimeFigureOut">
               <a:rPr lang="en-US" smtClean="0"/>
               <a:pPr/>
-              <a:t>8/12/2011</a:t>
+              <a:t>8/14/2011</a:t>
             </a:fld>
             <a:endParaRPr lang="en-US"/>
           </a:p>
@@ -1954,7 +1954,7 @@
             <a:fld id="{1D8BD707-D9CF-40AE-B4C6-C98DA3205C09}" type="datetimeFigureOut">
               <a:rPr lang="en-US" smtClean="0"/>
               <a:pPr/>
-              <a:t>8/12/2011</a:t>
+              <a:t>8/14/2011</a:t>
             </a:fld>
             <a:endParaRPr lang="en-US"/>
           </a:p>
@@ -2228,7 +2228,7 @@
             <a:fld id="{1D8BD707-D9CF-40AE-B4C6-C98DA3205C09}" type="datetimeFigureOut">
               <a:rPr lang="en-US" smtClean="0"/>
               <a:pPr/>
-              <a:t>8/12/2011</a:t>
+              <a:t>8/14/2011</a:t>
             </a:fld>
             <a:endParaRPr lang="en-US"/>
           </a:p>
@@ -2478,7 +2478,7 @@
             <a:fld id="{1D8BD707-D9CF-40AE-B4C6-C98DA3205C09}" type="datetimeFigureOut">
               <a:rPr lang="en-US" smtClean="0"/>
               <a:pPr/>
-              <a:t>8/12/2011</a:t>
+              <a:t>8/14/2011</a:t>
             </a:fld>
             <a:endParaRPr lang="en-US"/>
           </a:p>
@@ -2688,7 +2688,7 @@
             <a:fld id="{1D8BD707-D9CF-40AE-B4C6-C98DA3205C09}" type="datetimeFigureOut">
               <a:rPr lang="en-US" smtClean="0"/>
               <a:pPr/>
-              <a:t>8/12/2011</a:t>
+              <a:t>8/14/2011</a:t>
             </a:fld>
             <a:endParaRPr lang="en-US"/>
           </a:p>
@@ -4014,7 +4014,7 @@
         <p:spPr>
           <a:xfrm>
             <a:off x="5715000" y="2667000"/>
-            <a:ext cx="1681871" cy="769441"/>
+            <a:ext cx="2496196" cy="938719"/>
           </a:xfrm>
           <a:prstGeom prst="rect">
             <a:avLst/>
@@ -4060,6 +4060,16 @@
             <a:r>
               <a:rPr lang="en-US" sz="1100" b="1" dirty="0" smtClean="0"/>
               <a:t>Experiment</a:t>
+            </a:r>
+          </a:p>
+          <a:p>
+            <a:pPr marL="628650" lvl="1" indent="-171450">
+              <a:buFont typeface="Arial" charset="0"/>
+              <a:buChar char="•"/>
+            </a:pPr>
+            <a:r>
+              <a:rPr lang="en-US" sz="1100" b="1" dirty="0"/>
+              <a:t>Distributome DB HTML View</a:t>
             </a:r>
             <a:endParaRPr lang="en-US" sz="1100" b="1" dirty="0"/>
           </a:p>
